--- a/Tesis/Presentaciones/Felisa - Michael Lee.pptx
+++ b/Tesis/Presentaciones/Felisa - Michael Lee.pptx
@@ -360,7 +360,7 @@
           <a:p>
             <a:fld id="{7BE915AC-9314-49A1-A90B-5D179C0F555E}" type="datetimeFigureOut">
               <a:rPr lang="es-MX" smtClean="0"/>
-              <a:t>08/03/2017</a:t>
+              <a:t>08/05/2017</a:t>
             </a:fld>
             <a:endParaRPr lang="es-MX"/>
           </a:p>
@@ -530,7 +530,7 @@
           <a:p>
             <a:fld id="{7BE915AC-9314-49A1-A90B-5D179C0F555E}" type="datetimeFigureOut">
               <a:rPr lang="es-MX" smtClean="0"/>
-              <a:t>08/03/2017</a:t>
+              <a:t>08/05/2017</a:t>
             </a:fld>
             <a:endParaRPr lang="es-MX"/>
           </a:p>
@@ -710,7 +710,7 @@
           <a:p>
             <a:fld id="{7BE915AC-9314-49A1-A90B-5D179C0F555E}" type="datetimeFigureOut">
               <a:rPr lang="es-MX" smtClean="0"/>
-              <a:t>08/03/2017</a:t>
+              <a:t>08/05/2017</a:t>
             </a:fld>
             <a:endParaRPr lang="es-MX"/>
           </a:p>
@@ -880,7 +880,7 @@
           <a:p>
             <a:fld id="{7BE915AC-9314-49A1-A90B-5D179C0F555E}" type="datetimeFigureOut">
               <a:rPr lang="es-MX" smtClean="0"/>
-              <a:t>08/03/2017</a:t>
+              <a:t>08/05/2017</a:t>
             </a:fld>
             <a:endParaRPr lang="es-MX"/>
           </a:p>
@@ -1126,7 +1126,7 @@
           <a:p>
             <a:fld id="{7BE915AC-9314-49A1-A90B-5D179C0F555E}" type="datetimeFigureOut">
               <a:rPr lang="es-MX" smtClean="0"/>
-              <a:t>08/03/2017</a:t>
+              <a:t>08/05/2017</a:t>
             </a:fld>
             <a:endParaRPr lang="es-MX"/>
           </a:p>
@@ -1414,7 +1414,7 @@
           <a:p>
             <a:fld id="{7BE915AC-9314-49A1-A90B-5D179C0F555E}" type="datetimeFigureOut">
               <a:rPr lang="es-MX" smtClean="0"/>
-              <a:t>08/03/2017</a:t>
+              <a:t>08/05/2017</a:t>
             </a:fld>
             <a:endParaRPr lang="es-MX"/>
           </a:p>
@@ -1836,7 +1836,7 @@
           <a:p>
             <a:fld id="{7BE915AC-9314-49A1-A90B-5D179C0F555E}" type="datetimeFigureOut">
               <a:rPr lang="es-MX" smtClean="0"/>
-              <a:t>08/03/2017</a:t>
+              <a:t>08/05/2017</a:t>
             </a:fld>
             <a:endParaRPr lang="es-MX"/>
           </a:p>
@@ -1954,7 +1954,7 @@
           <a:p>
             <a:fld id="{7BE915AC-9314-49A1-A90B-5D179C0F555E}" type="datetimeFigureOut">
               <a:rPr lang="es-MX" smtClean="0"/>
-              <a:t>08/03/2017</a:t>
+              <a:t>08/05/2017</a:t>
             </a:fld>
             <a:endParaRPr lang="es-MX"/>
           </a:p>
@@ -2049,7 +2049,7 @@
           <a:p>
             <a:fld id="{7BE915AC-9314-49A1-A90B-5D179C0F555E}" type="datetimeFigureOut">
               <a:rPr lang="es-MX" smtClean="0"/>
-              <a:t>08/03/2017</a:t>
+              <a:t>08/05/2017</a:t>
             </a:fld>
             <a:endParaRPr lang="es-MX"/>
           </a:p>
@@ -2326,7 +2326,7 @@
           <a:p>
             <a:fld id="{7BE915AC-9314-49A1-A90B-5D179C0F555E}" type="datetimeFigureOut">
               <a:rPr lang="es-MX" smtClean="0"/>
-              <a:t>08/03/2017</a:t>
+              <a:t>08/05/2017</a:t>
             </a:fld>
             <a:endParaRPr lang="es-MX"/>
           </a:p>
@@ -2579,7 +2579,7 @@
           <a:p>
             <a:fld id="{7BE915AC-9314-49A1-A90B-5D179C0F555E}" type="datetimeFigureOut">
               <a:rPr lang="es-MX" smtClean="0"/>
-              <a:t>08/03/2017</a:t>
+              <a:t>08/05/2017</a:t>
             </a:fld>
             <a:endParaRPr lang="es-MX"/>
           </a:p>
@@ -2792,7 +2792,7 @@
           <a:p>
             <a:fld id="{7BE915AC-9314-49A1-A90B-5D179C0F555E}" type="datetimeFigureOut">
               <a:rPr lang="es-MX" smtClean="0"/>
-              <a:t>08/03/2017</a:t>
+              <a:t>08/05/2017</a:t>
             </a:fld>
             <a:endParaRPr lang="es-MX"/>
           </a:p>
@@ -3197,7 +3197,7 @@
             </a:r>
             <a:r>
               <a:rPr lang="es-MX" dirty="0" err="1" smtClean="0"/>
-              <a:t>Mirrror</a:t>
+              <a:t>Mirror</a:t>
             </a:r>
             <a:r>
               <a:rPr lang="es-MX" dirty="0" smtClean="0"/>
@@ -9224,11 +9224,7 @@
           <a:p>
             <a:r>
               <a:rPr lang="es-MX" dirty="0" smtClean="0"/>
-              <a:t>1st</a:t>
-            </a:r>
-            <a:r>
-              <a:rPr lang="es-MX" dirty="0" smtClean="0"/>
-              <a:t>: </a:t>
+              <a:t>1st: </a:t>
             </a:r>
             <a:r>
               <a:rPr lang="es-MX" dirty="0" err="1" smtClean="0"/>
